--- a/docs/999_学习资料汇总/実用日本語_20220514.pptx
+++ b/docs/999_学习资料汇总/実用日本語_20220514.pptx
@@ -133,36 +133,6 @@
 
 <file path=ppt/changesInfos/changesInfo1.xml><?xml version="1.0" encoding="utf-8"?>
 <pc:chgInfo xmlns:a="http://schemas.openxmlformats.org/drawingml/2006/main" xmlns:r="http://schemas.openxmlformats.org/officeDocument/2006/relationships" xmlns:ac="http://schemas.microsoft.com/office/drawing/2013/main/command" xmlns:pc="http://schemas.microsoft.com/office/powerpoint/2013/main/command">
-  <pc:docChgLst>
-    <pc:chgData name="吉 偉薇" userId="f3fa1b7fd4bd8f4a" providerId="LiveId" clId="{A9EF0351-7ADB-4D8A-8C42-2F742E607D44}"/>
-    <pc:docChg chg="delSld">
-      <pc:chgData name="吉 偉薇" userId="f3fa1b7fd4bd8f4a" providerId="LiveId" clId="{A9EF0351-7ADB-4D8A-8C42-2F742E607D44}" dt="2022-04-23T08:42:58.391" v="2" actId="47"/>
-      <pc:docMkLst>
-        <pc:docMk/>
-      </pc:docMkLst>
-      <pc:sldChg chg="del">
-        <pc:chgData name="吉 偉薇" userId="f3fa1b7fd4bd8f4a" providerId="LiveId" clId="{A9EF0351-7ADB-4D8A-8C42-2F742E607D44}" dt="2022-04-23T08:42:54.131" v="0" actId="47"/>
-        <pc:sldMkLst>
-          <pc:docMk/>
-          <pc:sldMk cId="292139401" sldId="261"/>
-        </pc:sldMkLst>
-      </pc:sldChg>
-      <pc:sldChg chg="del">
-        <pc:chgData name="吉 偉薇" userId="f3fa1b7fd4bd8f4a" providerId="LiveId" clId="{A9EF0351-7ADB-4D8A-8C42-2F742E607D44}" dt="2022-04-23T08:42:56.193" v="1" actId="47"/>
-        <pc:sldMkLst>
-          <pc:docMk/>
-          <pc:sldMk cId="3899576202" sldId="262"/>
-        </pc:sldMkLst>
-      </pc:sldChg>
-      <pc:sldChg chg="del">
-        <pc:chgData name="吉 偉薇" userId="f3fa1b7fd4bd8f4a" providerId="LiveId" clId="{A9EF0351-7ADB-4D8A-8C42-2F742E607D44}" dt="2022-04-23T08:42:58.391" v="2" actId="47"/>
-        <pc:sldMkLst>
-          <pc:docMk/>
-          <pc:sldMk cId="2295569604" sldId="263"/>
-        </pc:sldMkLst>
-      </pc:sldChg>
-    </pc:docChg>
-  </pc:docChgLst>
   <pc:docChgLst>
     <pc:chgData name="吉 偉薇" userId="f3fa1b7fd4bd8f4a" providerId="LiveId" clId="{9C9A38C1-0B2B-4E33-B99D-D45DF96677D5}"/>
     <pc:docChg chg="undo custSel addSld delSld modSld sldOrd">
@@ -648,6 +618,36 @@
       </pc:sldChg>
     </pc:docChg>
   </pc:docChgLst>
+  <pc:docChgLst>
+    <pc:chgData name="吉 偉薇" userId="f3fa1b7fd4bd8f4a" providerId="LiveId" clId="{A9EF0351-7ADB-4D8A-8C42-2F742E607D44}"/>
+    <pc:docChg chg="delSld">
+      <pc:chgData name="吉 偉薇" userId="f3fa1b7fd4bd8f4a" providerId="LiveId" clId="{A9EF0351-7ADB-4D8A-8C42-2F742E607D44}" dt="2022-04-23T08:42:58.391" v="2" actId="47"/>
+      <pc:docMkLst>
+        <pc:docMk/>
+      </pc:docMkLst>
+      <pc:sldChg chg="del">
+        <pc:chgData name="吉 偉薇" userId="f3fa1b7fd4bd8f4a" providerId="LiveId" clId="{A9EF0351-7ADB-4D8A-8C42-2F742E607D44}" dt="2022-04-23T08:42:54.131" v="0" actId="47"/>
+        <pc:sldMkLst>
+          <pc:docMk/>
+          <pc:sldMk cId="292139401" sldId="261"/>
+        </pc:sldMkLst>
+      </pc:sldChg>
+      <pc:sldChg chg="del">
+        <pc:chgData name="吉 偉薇" userId="f3fa1b7fd4bd8f4a" providerId="LiveId" clId="{A9EF0351-7ADB-4D8A-8C42-2F742E607D44}" dt="2022-04-23T08:42:56.193" v="1" actId="47"/>
+        <pc:sldMkLst>
+          <pc:docMk/>
+          <pc:sldMk cId="3899576202" sldId="262"/>
+        </pc:sldMkLst>
+      </pc:sldChg>
+      <pc:sldChg chg="del">
+        <pc:chgData name="吉 偉薇" userId="f3fa1b7fd4bd8f4a" providerId="LiveId" clId="{A9EF0351-7ADB-4D8A-8C42-2F742E607D44}" dt="2022-04-23T08:42:58.391" v="2" actId="47"/>
+        <pc:sldMkLst>
+          <pc:docMk/>
+          <pc:sldMk cId="2295569604" sldId="263"/>
+        </pc:sldMkLst>
+      </pc:sldChg>
+    </pc:docChg>
+  </pc:docChgLst>
 </pc:chgInfo>
 </file>
 
@@ -733,7 +733,7 @@
           <a:p>
             <a:fld id="{FA2BA4C8-6542-436B-B9CB-5273B2DD7AAD}" type="datetimeFigureOut">
               <a:rPr lang="zh-CN" altLang="en-US" smtClean="0"/>
-              <a:t>2022/5/12</a:t>
+              <a:t>2022/5/14</a:t>
             </a:fld>
             <a:endParaRPr lang="zh-CN" altLang="en-US"/>
           </a:p>
@@ -2201,7 +2201,7 @@
           <a:p>
             <a:fld id="{88BCA1EF-7779-4140-A78F-3B0B7B298960}" type="datetimeFigureOut">
               <a:rPr lang="zh-CN" altLang="en-US" smtClean="0"/>
-              <a:t>2022/5/12</a:t>
+              <a:t>2022/5/14</a:t>
             </a:fld>
             <a:endParaRPr lang="zh-CN" altLang="en-US"/>
           </a:p>
@@ -2482,7 +2482,7 @@
           <a:p>
             <a:fld id="{88BCA1EF-7779-4140-A78F-3B0B7B298960}" type="datetimeFigureOut">
               <a:rPr lang="zh-CN" altLang="en-US" smtClean="0"/>
-              <a:t>2022/5/12</a:t>
+              <a:t>2022/5/14</a:t>
             </a:fld>
             <a:endParaRPr lang="zh-CN" altLang="en-US"/>
           </a:p>
@@ -2674,7 +2674,7 @@
           <a:p>
             <a:fld id="{88BCA1EF-7779-4140-A78F-3B0B7B298960}" type="datetimeFigureOut">
               <a:rPr lang="zh-CN" altLang="en-US" smtClean="0"/>
-              <a:t>2022/5/12</a:t>
+              <a:t>2022/5/14</a:t>
             </a:fld>
             <a:endParaRPr lang="zh-CN" altLang="en-US"/>
           </a:p>
@@ -2935,7 +2935,7 @@
           <a:p>
             <a:fld id="{88BCA1EF-7779-4140-A78F-3B0B7B298960}" type="datetimeFigureOut">
               <a:rPr lang="zh-CN" altLang="en-US" smtClean="0"/>
-              <a:t>2022/5/12</a:t>
+              <a:t>2022/5/14</a:t>
             </a:fld>
             <a:endParaRPr lang="zh-CN" altLang="en-US"/>
           </a:p>
@@ -3361,7 +3361,7 @@
           <a:p>
             <a:fld id="{88BCA1EF-7779-4140-A78F-3B0B7B298960}" type="datetimeFigureOut">
               <a:rPr lang="zh-CN" altLang="en-US" smtClean="0"/>
-              <a:t>2022/5/12</a:t>
+              <a:t>2022/5/14</a:t>
             </a:fld>
             <a:endParaRPr lang="zh-CN" altLang="en-US"/>
           </a:p>
@@ -3907,7 +3907,7 @@
           <a:p>
             <a:fld id="{88BCA1EF-7779-4140-A78F-3B0B7B298960}" type="datetimeFigureOut">
               <a:rPr lang="zh-CN" altLang="en-US" smtClean="0"/>
-              <a:t>2022/5/12</a:t>
+              <a:t>2022/5/14</a:t>
             </a:fld>
             <a:endParaRPr lang="zh-CN" altLang="en-US"/>
           </a:p>
@@ -4738,7 +4738,7 @@
           <a:p>
             <a:fld id="{88BCA1EF-7779-4140-A78F-3B0B7B298960}" type="datetimeFigureOut">
               <a:rPr lang="zh-CN" altLang="en-US" smtClean="0"/>
-              <a:t>2022/5/12</a:t>
+              <a:t>2022/5/14</a:t>
             </a:fld>
             <a:endParaRPr lang="zh-CN" altLang="en-US"/>
           </a:p>
@@ -4940,7 +4940,7 @@
           <a:p>
             <a:fld id="{88BCA1EF-7779-4140-A78F-3B0B7B298960}" type="datetimeFigureOut">
               <a:rPr lang="zh-CN" altLang="en-US" smtClean="0"/>
-              <a:t>2022/5/12</a:t>
+              <a:t>2022/5/14</a:t>
             </a:fld>
             <a:endParaRPr lang="zh-CN" altLang="en-US"/>
           </a:p>
@@ -5152,7 +5152,7 @@
           <a:p>
             <a:fld id="{88BCA1EF-7779-4140-A78F-3B0B7B298960}" type="datetimeFigureOut">
               <a:rPr lang="zh-CN" altLang="en-US" smtClean="0"/>
-              <a:t>2022/5/12</a:t>
+              <a:t>2022/5/14</a:t>
             </a:fld>
             <a:endParaRPr lang="zh-CN" altLang="en-US"/>
           </a:p>
@@ -5354,7 +5354,7 @@
           <a:p>
             <a:fld id="{88BCA1EF-7779-4140-A78F-3B0B7B298960}" type="datetimeFigureOut">
               <a:rPr lang="zh-CN" altLang="en-US" smtClean="0"/>
-              <a:t>2022/5/12</a:t>
+              <a:t>2022/5/14</a:t>
             </a:fld>
             <a:endParaRPr lang="zh-CN" altLang="en-US"/>
           </a:p>
@@ -5611,7 +5611,7 @@
           <a:p>
             <a:fld id="{88BCA1EF-7779-4140-A78F-3B0B7B298960}" type="datetimeFigureOut">
               <a:rPr lang="zh-CN" altLang="en-US" smtClean="0"/>
-              <a:t>2022/5/12</a:t>
+              <a:t>2022/5/14</a:t>
             </a:fld>
             <a:endParaRPr lang="zh-CN" altLang="en-US"/>
           </a:p>
@@ -5907,7 +5907,7 @@
           <a:p>
             <a:fld id="{88BCA1EF-7779-4140-A78F-3B0B7B298960}" type="datetimeFigureOut">
               <a:rPr lang="zh-CN" altLang="en-US" smtClean="0"/>
-              <a:t>2022/5/12</a:t>
+              <a:t>2022/5/14</a:t>
             </a:fld>
             <a:endParaRPr lang="zh-CN" altLang="en-US"/>
           </a:p>
@@ -6364,7 +6364,7 @@
           <a:p>
             <a:fld id="{88BCA1EF-7779-4140-A78F-3B0B7B298960}" type="datetimeFigureOut">
               <a:rPr lang="zh-CN" altLang="en-US" smtClean="0"/>
-              <a:t>2022/5/12</a:t>
+              <a:t>2022/5/14</a:t>
             </a:fld>
             <a:endParaRPr lang="zh-CN" altLang="en-US"/>
           </a:p>
@@ -6482,7 +6482,7 @@
           <a:p>
             <a:fld id="{88BCA1EF-7779-4140-A78F-3B0B7B298960}" type="datetimeFigureOut">
               <a:rPr lang="zh-CN" altLang="en-US" smtClean="0"/>
-              <a:t>2022/5/12</a:t>
+              <a:t>2022/5/14</a:t>
             </a:fld>
             <a:endParaRPr lang="zh-CN" altLang="en-US"/>
           </a:p>
@@ -6577,7 +6577,7 @@
           <a:p>
             <a:fld id="{88BCA1EF-7779-4140-A78F-3B0B7B298960}" type="datetimeFigureOut">
               <a:rPr lang="zh-CN" altLang="en-US" smtClean="0"/>
-              <a:t>2022/5/12</a:t>
+              <a:t>2022/5/14</a:t>
             </a:fld>
             <a:endParaRPr lang="zh-CN" altLang="en-US"/>
           </a:p>
@@ -6882,7 +6882,7 @@
           <a:p>
             <a:fld id="{88BCA1EF-7779-4140-A78F-3B0B7B298960}" type="datetimeFigureOut">
               <a:rPr lang="zh-CN" altLang="en-US" smtClean="0"/>
-              <a:t>2022/5/12</a:t>
+              <a:t>2022/5/14</a:t>
             </a:fld>
             <a:endParaRPr lang="zh-CN" altLang="en-US"/>
           </a:p>
@@ -7163,7 +7163,7 @@
           <a:p>
             <a:fld id="{88BCA1EF-7779-4140-A78F-3B0B7B298960}" type="datetimeFigureOut">
               <a:rPr lang="zh-CN" altLang="en-US" smtClean="0"/>
-              <a:t>2022/5/12</a:t>
+              <a:t>2022/5/14</a:t>
             </a:fld>
             <a:endParaRPr lang="zh-CN" altLang="en-US"/>
           </a:p>
@@ -7435,7 +7435,7 @@
           <a:p>
             <a:fld id="{88BCA1EF-7779-4140-A78F-3B0B7B298960}" type="datetimeFigureOut">
               <a:rPr lang="zh-CN" altLang="en-US" smtClean="0"/>
-              <a:t>2022/5/12</a:t>
+              <a:t>2022/5/14</a:t>
             </a:fld>
             <a:endParaRPr lang="zh-CN" altLang="en-US"/>
           </a:p>
@@ -8138,39 +8138,41 @@
         </p:nvSpPr>
         <p:spPr/>
         <p:txBody>
-          <a:bodyPr/>
+          <a:bodyPr>
+            <a:normAutofit/>
+          </a:bodyPr>
           <a:lstStyle/>
           <a:p>
             <a:pPr marL="0" indent="0">
               <a:buNone/>
             </a:pPr>
             <a:r>
-              <a:rPr lang="ja-JP" altLang="en-US" dirty="0"/>
+              <a:rPr lang="ja-JP" altLang="en-US" sz="4800" dirty="0"/>
               <a:t>図々</a:t>
             </a:r>
             <a:r>
-              <a:rPr lang="en-US" altLang="ja-JP" dirty="0"/>
+              <a:rPr lang="en-US" altLang="ja-JP" sz="4800" dirty="0"/>
               <a:t>(</a:t>
             </a:r>
             <a:r>
-              <a:rPr lang="ja-JP" altLang="en-US" dirty="0"/>
+              <a:rPr lang="ja-JP" altLang="en-US" sz="4800" dirty="0"/>
               <a:t>ずうずう</a:t>
             </a:r>
             <a:r>
-              <a:rPr lang="en-US" altLang="ja-JP" dirty="0"/>
+              <a:rPr lang="en-US" altLang="ja-JP" sz="4800" dirty="0"/>
               <a:t>)</a:t>
             </a:r>
             <a:r>
-              <a:rPr lang="ja-JP" altLang="en-US" dirty="0"/>
+              <a:rPr lang="ja-JP" altLang="en-US" sz="4800" dirty="0"/>
               <a:t>しい　⇔　度胸がある</a:t>
             </a:r>
-            <a:endParaRPr lang="en-US" altLang="ja-JP" dirty="0"/>
+            <a:endParaRPr lang="en-US" altLang="ja-JP" sz="4800" dirty="0"/>
           </a:p>
           <a:p>
             <a:pPr marL="0" indent="0">
               <a:buNone/>
             </a:pPr>
-            <a:endParaRPr kumimoji="1" lang="ja-JP" altLang="en-US" dirty="0"/>
+            <a:endParaRPr kumimoji="1" lang="ja-JP" altLang="en-US" sz="4800" dirty="0"/>
           </a:p>
         </p:txBody>
       </p:sp>
@@ -8257,20 +8259,22 @@
         </p:nvSpPr>
         <p:spPr/>
         <p:txBody>
-          <a:bodyPr/>
+          <a:bodyPr>
+            <a:normAutofit/>
+          </a:bodyPr>
           <a:lstStyle/>
           <a:p>
             <a:pPr marL="0" indent="0">
               <a:buNone/>
             </a:pPr>
             <a:r>
-              <a:rPr lang="ja-JP" altLang="en-US" dirty="0"/>
+              <a:rPr lang="ja-JP" altLang="en-US" sz="4800" dirty="0"/>
               <a:t>ポリシーがない　⇔　機転がきく</a:t>
             </a:r>
-            <a:endParaRPr lang="en-US" altLang="ja-JP" dirty="0"/>
-          </a:p>
-          <a:p>
-            <a:endParaRPr kumimoji="1" lang="ja-JP" altLang="en-US" dirty="0"/>
+            <a:endParaRPr lang="en-US" altLang="ja-JP" sz="4800" dirty="0"/>
+          </a:p>
+          <a:p>
+            <a:endParaRPr kumimoji="1" lang="ja-JP" altLang="en-US" sz="4800" dirty="0"/>
           </a:p>
         </p:txBody>
       </p:sp>
@@ -8357,20 +8361,22 @@
         </p:nvSpPr>
         <p:spPr/>
         <p:txBody>
-          <a:bodyPr/>
+          <a:bodyPr>
+            <a:normAutofit/>
+          </a:bodyPr>
           <a:lstStyle/>
           <a:p>
             <a:pPr marL="0" indent="0">
               <a:buNone/>
             </a:pPr>
             <a:r>
-              <a:rPr lang="ja-JP" altLang="en-US" dirty="0"/>
+              <a:rPr lang="ja-JP" altLang="en-US" sz="4800" dirty="0"/>
               <a:t>あきらめが悪い　⇔　根性がある</a:t>
             </a:r>
-            <a:endParaRPr kumimoji="1" lang="ja-JP" altLang="en-US" dirty="0"/>
-          </a:p>
-          <a:p>
-            <a:endParaRPr kumimoji="1" lang="ja-JP" altLang="en-US" dirty="0"/>
+            <a:endParaRPr kumimoji="1" lang="ja-JP" altLang="en-US" sz="4800" dirty="0"/>
+          </a:p>
+          <a:p>
+            <a:endParaRPr kumimoji="1" lang="ja-JP" altLang="en-US" sz="4800" dirty="0"/>
           </a:p>
         </p:txBody>
       </p:sp>
@@ -9084,17 +9090,23 @@
             <a:pPr marL="0" indent="0">
               <a:buNone/>
             </a:pPr>
-            <a:r>
-              <a:rPr lang="ja-JP" altLang="en-US" dirty="0"/>
+            <a:endParaRPr lang="en-US" altLang="ja-JP" sz="4800" dirty="0"/>
+          </a:p>
+          <a:p>
+            <a:pPr marL="0" indent="0">
+              <a:buNone/>
+            </a:pPr>
+            <a:r>
+              <a:rPr lang="ja-JP" altLang="en-US" sz="4800" dirty="0"/>
               <a:t>しつこい　⇔　粘り強い</a:t>
             </a:r>
-            <a:endParaRPr lang="en-US" altLang="ja-JP" dirty="0"/>
+            <a:endParaRPr lang="en-US" altLang="ja-JP" sz="4800" dirty="0"/>
           </a:p>
           <a:p>
             <a:pPr marL="0" indent="0">
               <a:buNone/>
             </a:pPr>
-            <a:endParaRPr lang="zh-CN" altLang="en-US" dirty="0"/>
+            <a:endParaRPr lang="zh-CN" altLang="en-US" sz="4800" dirty="0"/>
           </a:p>
         </p:txBody>
       </p:sp>
@@ -9181,25 +9193,27 @@
         </p:nvSpPr>
         <p:spPr/>
         <p:txBody>
-          <a:bodyPr/>
+          <a:bodyPr>
+            <a:normAutofit/>
+          </a:bodyPr>
           <a:lstStyle/>
           <a:p>
             <a:pPr marL="0" indent="0">
               <a:buNone/>
             </a:pPr>
             <a:r>
-              <a:rPr lang="ja-JP" altLang="en-US" dirty="0"/>
+              <a:rPr lang="ja-JP" altLang="en-US" sz="4800" dirty="0"/>
               <a:t>おしゃべり　⇔　頭の回転が速い</a:t>
             </a:r>
-            <a:endParaRPr lang="en-US" altLang="ja-JP" dirty="0"/>
-          </a:p>
-          <a:p>
-            <a:endParaRPr kumimoji="1" lang="ja-JP" altLang="en-US" dirty="0"/>
-          </a:p>
-        </p:txBody>
-      </p:sp>
-      <mc:AlternateContent xmlns:mc="http://schemas.openxmlformats.org/markup-compatibility/2006">
-        <mc:Choice xmlns:pslz="http://schemas.microsoft.com/office/powerpoint/2016/slidezoom" Requires="pslz">
+            <a:endParaRPr lang="en-US" altLang="ja-JP" sz="4800" dirty="0"/>
+          </a:p>
+          <a:p>
+            <a:endParaRPr kumimoji="1" lang="ja-JP" altLang="en-US" sz="4800" dirty="0"/>
+          </a:p>
+        </p:txBody>
+      </p:sp>
+      <mc:AlternateContent xmlns:mc="http://schemas.openxmlformats.org/markup-compatibility/2006" xmlns:pslz="http://schemas.microsoft.com/office/powerpoint/2016/slidezoom">
+        <mc:Choice Requires="pslz">
           <p:graphicFrame>
             <p:nvGraphicFramePr>
               <p:cNvPr id="5" name="スライド ズーム 4">
@@ -9251,7 +9265,7 @@
             </a:graphic>
           </p:graphicFrame>
         </mc:Choice>
-        <mc:Fallback>
+        <mc:Fallback xmlns="">
           <p:pic>
             <p:nvPicPr>
               <p:cNvPr id="5" name="スライド ズーム 4">
@@ -9267,7 +9281,7 @@
               <p:nvPr/>
             </p:nvPicPr>
             <p:blipFill>
-              <a:blip r:embed="rId3"/>
+              <a:blip r:embed="rId4"/>
               <a:stretch>
                 <a:fillRect/>
               </a:stretch>
@@ -9367,17 +9381,22 @@
         </p:nvSpPr>
         <p:spPr/>
         <p:txBody>
-          <a:bodyPr/>
-          <a:lstStyle/>
-          <a:p>
-            <a:r>
-              <a:rPr lang="ja-JP" altLang="en-US" dirty="0"/>
+          <a:bodyPr>
+            <a:normAutofit/>
+          </a:bodyPr>
+          <a:lstStyle/>
+          <a:p>
+            <a:pPr marL="0" indent="0">
+              <a:buNone/>
+            </a:pPr>
+            <a:r>
+              <a:rPr lang="ja-JP" altLang="en-US" sz="4800" dirty="0"/>
               <a:t>頑固　⇔　ブレない</a:t>
             </a:r>
-            <a:endParaRPr lang="en-US" altLang="ja-JP" dirty="0"/>
-          </a:p>
-          <a:p>
-            <a:endParaRPr kumimoji="1" lang="ja-JP" altLang="en-US" dirty="0"/>
+            <a:endParaRPr lang="en-US" altLang="ja-JP" sz="4800" dirty="0"/>
+          </a:p>
+          <a:p>
+            <a:endParaRPr kumimoji="1" lang="ja-JP" altLang="en-US" sz="4800" dirty="0"/>
           </a:p>
         </p:txBody>
       </p:sp>
@@ -9472,23 +9491,23 @@
             <a:pPr marL="0" indent="0">
               <a:buNone/>
             </a:pPr>
-            <a:endParaRPr lang="en-US" altLang="ja-JP" dirty="0"/>
+            <a:endParaRPr lang="en-US" altLang="ja-JP" sz="4800" dirty="0"/>
           </a:p>
           <a:p>
             <a:pPr marL="0" indent="0">
               <a:buNone/>
             </a:pPr>
             <a:r>
-              <a:rPr lang="ja-JP" altLang="en-US" dirty="0"/>
+              <a:rPr lang="ja-JP" altLang="en-US" sz="4800" dirty="0"/>
               <a:t>優柔不断　⇔　慎重</a:t>
             </a:r>
-            <a:endParaRPr lang="en-US" altLang="ja-JP" dirty="0"/>
+            <a:endParaRPr lang="en-US" altLang="ja-JP" sz="4800" dirty="0"/>
           </a:p>
           <a:p>
             <a:pPr marL="0" indent="0">
               <a:buNone/>
             </a:pPr>
-            <a:endParaRPr kumimoji="1" lang="ja-JP" altLang="en-US" dirty="0"/>
+            <a:endParaRPr kumimoji="1" lang="ja-JP" altLang="en-US" sz="4800" dirty="0"/>
           </a:p>
         </p:txBody>
       </p:sp>
@@ -9575,23 +9594,25 @@
         </p:nvSpPr>
         <p:spPr/>
         <p:txBody>
-          <a:bodyPr/>
+          <a:bodyPr>
+            <a:normAutofit/>
+          </a:bodyPr>
           <a:lstStyle/>
           <a:p>
             <a:pPr marL="0" indent="0">
               <a:buNone/>
             </a:pPr>
             <a:r>
-              <a:rPr lang="ja-JP" altLang="en-US" dirty="0"/>
+              <a:rPr lang="ja-JP" altLang="en-US" sz="4800" dirty="0"/>
               <a:t>おせっかい　⇔　思いやりがある</a:t>
             </a:r>
-            <a:endParaRPr lang="en-US" altLang="ja-JP" dirty="0"/>
+            <a:endParaRPr lang="en-US" altLang="ja-JP" sz="4800" dirty="0"/>
           </a:p>
           <a:p>
             <a:pPr marL="0" indent="0">
               <a:buNone/>
             </a:pPr>
-            <a:endParaRPr lang="en-US" altLang="ja-JP" dirty="0"/>
+            <a:endParaRPr lang="en-US" altLang="ja-JP" sz="4800" dirty="0"/>
           </a:p>
         </p:txBody>
       </p:sp>
@@ -9611,6 +9632,20 @@
 <file path=ppt/slides/slide8.xml><?xml version="1.0" encoding="utf-8"?>
 <p:sld xmlns:a="http://schemas.openxmlformats.org/drawingml/2006/main" xmlns:r="http://schemas.openxmlformats.org/officeDocument/2006/relationships" xmlns:p="http://schemas.openxmlformats.org/presentationml/2006/main">
   <p:cSld>
+    <p:bg>
+      <p:bgPr>
+        <a:blipFill dpi="0" rotWithShape="1">
+          <a:blip r:embed="rId4">
+            <a:lum/>
+          </a:blip>
+          <a:srcRect/>
+          <a:stretch>
+            <a:fillRect/>
+          </a:stretch>
+        </a:blipFill>
+        <a:effectLst/>
+      </p:bgPr>
+    </p:bg>
     <p:spTree>
       <p:nvGrpSpPr>
         <p:cNvPr id="1" name=""/>
@@ -9678,20 +9713,22 @@
         </p:nvSpPr>
         <p:spPr/>
         <p:txBody>
-          <a:bodyPr/>
+          <a:bodyPr>
+            <a:normAutofit/>
+          </a:bodyPr>
           <a:lstStyle/>
           <a:p>
             <a:pPr marL="0" indent="0">
               <a:buNone/>
             </a:pPr>
             <a:r>
-              <a:rPr lang="ja-JP" altLang="en-US" dirty="0"/>
+              <a:rPr lang="ja-JP" altLang="en-US" sz="4800" dirty="0"/>
               <a:t>でしゃばり　⇔　積極的</a:t>
             </a:r>
-            <a:endParaRPr lang="en-US" altLang="ja-JP" dirty="0"/>
-          </a:p>
-          <a:p>
-            <a:endParaRPr kumimoji="1" lang="ja-JP" altLang="en-US" dirty="0"/>
+            <a:endParaRPr lang="en-US" altLang="ja-JP" sz="4800" dirty="0"/>
+          </a:p>
+          <a:p>
+            <a:endParaRPr kumimoji="1" lang="ja-JP" altLang="en-US" sz="4800" dirty="0"/>
           </a:p>
         </p:txBody>
       </p:sp>
@@ -9703,7 +9740,7 @@
     </p:extLst>
   </p:cSld>
   <p:clrMapOvr>
-    <a:masterClrMapping/>
+    <a:overrideClrMapping bg1="dk1" tx1="lt1" bg2="dk2" tx2="lt2" accent1="accent1" accent2="accent2" accent3="accent3" accent4="accent4" accent5="accent5" accent6="accent6" hlink="hlink" folHlink="folHlink"/>
   </p:clrMapOvr>
 </p:sld>
 </file>
@@ -9778,20 +9815,22 @@
         </p:nvSpPr>
         <p:spPr/>
         <p:txBody>
-          <a:bodyPr/>
+          <a:bodyPr>
+            <a:normAutofit/>
+          </a:bodyPr>
           <a:lstStyle/>
           <a:p>
             <a:pPr marL="0" indent="0">
               <a:buNone/>
             </a:pPr>
             <a:r>
-              <a:rPr lang="ja-JP" altLang="en-US" dirty="0"/>
+              <a:rPr lang="ja-JP" altLang="en-US" sz="4800" dirty="0"/>
               <a:t>無口　⇔　聞き上手</a:t>
             </a:r>
-            <a:endParaRPr lang="en-US" altLang="ja-JP" dirty="0"/>
-          </a:p>
-          <a:p>
-            <a:endParaRPr kumimoji="1" lang="ja-JP" altLang="en-US" dirty="0"/>
+            <a:endParaRPr lang="en-US" altLang="ja-JP" sz="4800" dirty="0"/>
+          </a:p>
+          <a:p>
+            <a:endParaRPr kumimoji="1" lang="ja-JP" altLang="en-US" sz="4800" dirty="0"/>
           </a:p>
         </p:txBody>
       </p:sp>
@@ -10362,4 +10401,47 @@
     </a:ext>
   </a:extLst>
 </a:theme>
+</file>
+
+<file path=ppt/theme/themeOverride1.xml><?xml version="1.0" encoding="utf-8"?>
+<a:themeOverride xmlns:a="http://schemas.openxmlformats.org/drawingml/2006/main">
+  <a:clrScheme name="暖かみのある青">
+    <a:dk1>
+      <a:sysClr val="windowText" lastClr="000000"/>
+    </a:dk1>
+    <a:lt1>
+      <a:sysClr val="window" lastClr="FFFFFF"/>
+    </a:lt1>
+    <a:dk2>
+      <a:srgbClr val="242852"/>
+    </a:dk2>
+    <a:lt2>
+      <a:srgbClr val="ACCBF9"/>
+    </a:lt2>
+    <a:accent1>
+      <a:srgbClr val="4A66AC"/>
+    </a:accent1>
+    <a:accent2>
+      <a:srgbClr val="629DD1"/>
+    </a:accent2>
+    <a:accent3>
+      <a:srgbClr val="297FD5"/>
+    </a:accent3>
+    <a:accent4>
+      <a:srgbClr val="7F8FA9"/>
+    </a:accent4>
+    <a:accent5>
+      <a:srgbClr val="5AA2AE"/>
+    </a:accent5>
+    <a:accent6>
+      <a:srgbClr val="9D90A0"/>
+    </a:accent6>
+    <a:hlink>
+      <a:srgbClr val="9454C3"/>
+    </a:hlink>
+    <a:folHlink>
+      <a:srgbClr val="3EBBF0"/>
+    </a:folHlink>
+  </a:clrScheme>
+</a:themeOverride>
 </file>
--- a/docs/999_学习资料汇总/実用日本語_20220514.pptx
+++ b/docs/999_学习资料汇总/実用日本語_20220514.pptx
@@ -1309,6 +1309,354 @@
 </p:notes>
 </file>
 
+<file path=ppt/notesSlides/notesSlide12.xml><?xml version="1.0" encoding="utf-8"?>
+<p:notes xmlns:a="http://schemas.openxmlformats.org/drawingml/2006/main" xmlns:r="http://schemas.openxmlformats.org/officeDocument/2006/relationships" xmlns:p="http://schemas.openxmlformats.org/presentationml/2006/main">
+  <p:cSld>
+    <p:spTree>
+      <p:nvGrpSpPr>
+        <p:cNvPr id="1" name=""/>
+        <p:cNvGrpSpPr/>
+        <p:nvPr/>
+      </p:nvGrpSpPr>
+      <p:grpSpPr>
+        <a:xfrm>
+          <a:off x="0" y="0"/>
+          <a:ext cx="0" cy="0"/>
+          <a:chOff x="0" y="0"/>
+          <a:chExt cx="0" cy="0"/>
+        </a:xfrm>
+      </p:grpSpPr>
+      <p:sp>
+        <p:nvSpPr>
+          <p:cNvPr id="2" name="スライド イメージ プレースホルダー 1"/>
+          <p:cNvSpPr>
+            <a:spLocks noGrp="1" noRot="1" noChangeAspect="1"/>
+          </p:cNvSpPr>
+          <p:nvPr>
+            <p:ph type="sldImg"/>
+          </p:nvPr>
+        </p:nvSpPr>
+        <p:spPr/>
+      </p:sp>
+      <p:sp>
+        <p:nvSpPr>
+          <p:cNvPr id="3" name="ノート プレースホルダー 2"/>
+          <p:cNvSpPr>
+            <a:spLocks noGrp="1"/>
+          </p:cNvSpPr>
+          <p:nvPr>
+            <p:ph type="body" idx="1"/>
+          </p:nvPr>
+        </p:nvSpPr>
+        <p:spPr/>
+        <p:txBody>
+          <a:bodyPr/>
+          <a:lstStyle/>
+          <a:p>
+            <a:r>
+              <a:rPr kumimoji="1" lang="ja-JP" altLang="en-US" dirty="0"/>
+              <a:t>暗　　、　至らない</a:t>
+            </a:r>
+            <a:endParaRPr kumimoji="1" lang="en-US" altLang="ja-JP" dirty="0"/>
+          </a:p>
+          <a:p>
+            <a:r>
+              <a:rPr kumimoji="1" lang="ja-JP" altLang="en-US" dirty="0"/>
+              <a:t>画一</a:t>
+            </a:r>
+            <a:r>
+              <a:rPr kumimoji="1" lang="en-US" altLang="ja-JP" dirty="0"/>
+              <a:t>(</a:t>
+            </a:r>
+            <a:r>
+              <a:rPr kumimoji="1" lang="ja-JP" altLang="en-US" dirty="0"/>
+              <a:t>がくいち</a:t>
+            </a:r>
+            <a:r>
+              <a:rPr kumimoji="1" lang="en-US" altLang="ja-JP" dirty="0"/>
+              <a:t>)</a:t>
+            </a:r>
+            <a:r>
+              <a:rPr kumimoji="1" lang="ja-JP" altLang="en-US" dirty="0"/>
+              <a:t>、論じる、局面</a:t>
+            </a:r>
+            <a:r>
+              <a:rPr kumimoji="1" lang="en-US" altLang="ja-JP" dirty="0"/>
+              <a:t>(</a:t>
+            </a:r>
+            <a:r>
+              <a:rPr kumimoji="1" lang="ja-JP" altLang="en-US" dirty="0"/>
+              <a:t>きょくめん</a:t>
+            </a:r>
+            <a:r>
+              <a:rPr kumimoji="1" lang="en-US" altLang="ja-JP" dirty="0"/>
+              <a:t>)</a:t>
+            </a:r>
+            <a:r>
+              <a:rPr kumimoji="1" lang="ja-JP" altLang="en-US" dirty="0"/>
+              <a:t>、正反対</a:t>
+            </a:r>
+            <a:r>
+              <a:rPr kumimoji="1" lang="en-US" altLang="ja-JP" dirty="0"/>
+              <a:t>(</a:t>
+            </a:r>
+            <a:r>
+              <a:rPr kumimoji="1" lang="ja-JP" altLang="en-US" dirty="0"/>
+              <a:t>せいはんたい</a:t>
+            </a:r>
+            <a:r>
+              <a:rPr kumimoji="1" lang="en-US" altLang="ja-JP" dirty="0"/>
+              <a:t>)</a:t>
+            </a:r>
+            <a:r>
+              <a:rPr kumimoji="1" lang="ja-JP" altLang="en-US" dirty="0"/>
+              <a:t>、突きつけ、</a:t>
+            </a:r>
+            <a:endParaRPr kumimoji="1" lang="en-US" altLang="ja-JP" dirty="0"/>
+          </a:p>
+          <a:p>
+            <a:endParaRPr kumimoji="1" lang="ja-JP" altLang="en-US" dirty="0"/>
+          </a:p>
+        </p:txBody>
+      </p:sp>
+      <p:sp>
+        <p:nvSpPr>
+          <p:cNvPr id="4" name="スライド番号プレースホルダー 3"/>
+          <p:cNvSpPr>
+            <a:spLocks noGrp="1"/>
+          </p:cNvSpPr>
+          <p:nvPr>
+            <p:ph type="sldNum" sz="quarter" idx="5"/>
+          </p:nvPr>
+        </p:nvSpPr>
+        <p:spPr/>
+        <p:txBody>
+          <a:bodyPr/>
+          <a:lstStyle/>
+          <a:p>
+            <a:fld id="{F9026B5B-AFF5-4B55-8F45-CE3FE249B0AF}" type="slidenum">
+              <a:rPr lang="zh-CN" altLang="en-US" smtClean="0"/>
+              <a:t>14</a:t>
+            </a:fld>
+            <a:endParaRPr lang="zh-CN" altLang="en-US"/>
+          </a:p>
+        </p:txBody>
+      </p:sp>
+    </p:spTree>
+    <p:extLst>
+      <p:ext uri="{BB962C8B-B14F-4D97-AF65-F5344CB8AC3E}">
+        <p14:creationId xmlns:p14="http://schemas.microsoft.com/office/powerpoint/2010/main" val="325344054"/>
+      </p:ext>
+    </p:extLst>
+  </p:cSld>
+  <p:clrMapOvr>
+    <a:masterClrMapping/>
+  </p:clrMapOvr>
+</p:notes>
+</file>
+
+<file path=ppt/notesSlides/notesSlide13.xml><?xml version="1.0" encoding="utf-8"?>
+<p:notes xmlns:a="http://schemas.openxmlformats.org/drawingml/2006/main" xmlns:r="http://schemas.openxmlformats.org/officeDocument/2006/relationships" xmlns:p="http://schemas.openxmlformats.org/presentationml/2006/main">
+  <p:cSld>
+    <p:spTree>
+      <p:nvGrpSpPr>
+        <p:cNvPr id="1" name=""/>
+        <p:cNvGrpSpPr/>
+        <p:nvPr/>
+      </p:nvGrpSpPr>
+      <p:grpSpPr>
+        <a:xfrm>
+          <a:off x="0" y="0"/>
+          <a:ext cx="0" cy="0"/>
+          <a:chOff x="0" y="0"/>
+          <a:chExt cx="0" cy="0"/>
+        </a:xfrm>
+      </p:grpSpPr>
+      <p:sp>
+        <p:nvSpPr>
+          <p:cNvPr id="2" name="スライド イメージ プレースホルダー 1"/>
+          <p:cNvSpPr>
+            <a:spLocks noGrp="1" noRot="1" noChangeAspect="1"/>
+          </p:cNvSpPr>
+          <p:nvPr>
+            <p:ph type="sldImg"/>
+          </p:nvPr>
+        </p:nvSpPr>
+        <p:spPr/>
+      </p:sp>
+      <p:sp>
+        <p:nvSpPr>
+          <p:cNvPr id="3" name="ノート プレースホルダー 2"/>
+          <p:cNvSpPr>
+            <a:spLocks noGrp="1"/>
+          </p:cNvSpPr>
+          <p:nvPr>
+            <p:ph type="body" idx="1"/>
+          </p:nvPr>
+        </p:nvSpPr>
+        <p:spPr/>
+        <p:txBody>
+          <a:bodyPr/>
+          <a:lstStyle/>
+          <a:p>
+            <a:endParaRPr kumimoji="1" lang="ja-JP" altLang="en-US" dirty="0"/>
+          </a:p>
+        </p:txBody>
+      </p:sp>
+      <p:sp>
+        <p:nvSpPr>
+          <p:cNvPr id="4" name="スライド番号プレースホルダー 3"/>
+          <p:cNvSpPr>
+            <a:spLocks noGrp="1"/>
+          </p:cNvSpPr>
+          <p:nvPr>
+            <p:ph type="sldNum" sz="quarter" idx="5"/>
+          </p:nvPr>
+        </p:nvSpPr>
+        <p:spPr/>
+        <p:txBody>
+          <a:bodyPr/>
+          <a:lstStyle/>
+          <a:p>
+            <a:fld id="{F9026B5B-AFF5-4B55-8F45-CE3FE249B0AF}" type="slidenum">
+              <a:rPr lang="zh-CN" altLang="en-US" smtClean="0"/>
+              <a:t>15</a:t>
+            </a:fld>
+            <a:endParaRPr lang="zh-CN" altLang="en-US"/>
+          </a:p>
+        </p:txBody>
+      </p:sp>
+    </p:spTree>
+    <p:extLst>
+      <p:ext uri="{BB962C8B-B14F-4D97-AF65-F5344CB8AC3E}">
+        <p14:creationId xmlns:p14="http://schemas.microsoft.com/office/powerpoint/2010/main" val="855598309"/>
+      </p:ext>
+    </p:extLst>
+  </p:cSld>
+  <p:clrMapOvr>
+    <a:masterClrMapping/>
+  </p:clrMapOvr>
+</p:notes>
+</file>
+
+<file path=ppt/notesSlides/notesSlide14.xml><?xml version="1.0" encoding="utf-8"?>
+<p:notes xmlns:a="http://schemas.openxmlformats.org/drawingml/2006/main" xmlns:r="http://schemas.openxmlformats.org/officeDocument/2006/relationships" xmlns:p="http://schemas.openxmlformats.org/presentationml/2006/main">
+  <p:cSld>
+    <p:spTree>
+      <p:nvGrpSpPr>
+        <p:cNvPr id="1" name=""/>
+        <p:cNvGrpSpPr/>
+        <p:nvPr/>
+      </p:nvGrpSpPr>
+      <p:grpSpPr>
+        <a:xfrm>
+          <a:off x="0" y="0"/>
+          <a:ext cx="0" cy="0"/>
+          <a:chOff x="0" y="0"/>
+          <a:chExt cx="0" cy="0"/>
+        </a:xfrm>
+      </p:grpSpPr>
+      <p:sp>
+        <p:nvSpPr>
+          <p:cNvPr id="2" name="スライド イメージ プレースホルダー 1"/>
+          <p:cNvSpPr>
+            <a:spLocks noGrp="1" noRot="1" noChangeAspect="1"/>
+          </p:cNvSpPr>
+          <p:nvPr>
+            <p:ph type="sldImg"/>
+          </p:nvPr>
+        </p:nvSpPr>
+        <p:spPr/>
+      </p:sp>
+      <p:sp>
+        <p:nvSpPr>
+          <p:cNvPr id="3" name="ノート プレースホルダー 2"/>
+          <p:cNvSpPr>
+            <a:spLocks noGrp="1"/>
+          </p:cNvSpPr>
+          <p:nvPr>
+            <p:ph type="body" idx="1"/>
+          </p:nvPr>
+        </p:nvSpPr>
+        <p:spPr/>
+        <p:txBody>
+          <a:bodyPr/>
+          <a:lstStyle/>
+          <a:p>
+            <a:pPr algn="l"/>
+            <a:r>
+              <a:rPr lang="ja-JP" altLang="en-US" b="1" i="0" dirty="0">
+                <a:solidFill>
+                  <a:srgbClr val="000000"/>
+                </a:solidFill>
+                <a:effectLst/>
+                <a:latin typeface="Noto Sans JP"/>
+              </a:rPr>
+              <a:t>ユリゴコロ</a:t>
+            </a:r>
+          </a:p>
+          <a:p>
+            <a:r>
+              <a:rPr kumimoji="1" lang="ja-JP" altLang="en-US" dirty="0"/>
+              <a:t>美佐子さん</a:t>
+            </a:r>
+            <a:endParaRPr kumimoji="1" lang="en-US" altLang="ja-JP" dirty="0"/>
+          </a:p>
+          <a:p>
+            <a:r>
+              <a:rPr kumimoji="1" lang="ja-JP" altLang="en-US" dirty="0"/>
+              <a:t>体を売る仕事にしました。</a:t>
+            </a:r>
+            <a:endParaRPr kumimoji="1" lang="en-US" altLang="ja-JP" dirty="0"/>
+          </a:p>
+          <a:p>
+            <a:r>
+              <a:rPr kumimoji="1" lang="ja-JP" altLang="en-US" dirty="0"/>
+              <a:t>合図、今何時ですか。洋介さん、７時です。ピュア。</a:t>
+            </a:r>
+            <a:endParaRPr kumimoji="1" lang="en-US" altLang="ja-JP" dirty="0"/>
+          </a:p>
+          <a:p>
+            <a:endParaRPr kumimoji="1" lang="ja-JP" altLang="en-US" dirty="0"/>
+          </a:p>
+        </p:txBody>
+      </p:sp>
+      <p:sp>
+        <p:nvSpPr>
+          <p:cNvPr id="4" name="スライド番号プレースホルダー 3"/>
+          <p:cNvSpPr>
+            <a:spLocks noGrp="1"/>
+          </p:cNvSpPr>
+          <p:nvPr>
+            <p:ph type="sldNum" sz="quarter" idx="5"/>
+          </p:nvPr>
+        </p:nvSpPr>
+        <p:spPr/>
+        <p:txBody>
+          <a:bodyPr/>
+          <a:lstStyle/>
+          <a:p>
+            <a:fld id="{F9026B5B-AFF5-4B55-8F45-CE3FE249B0AF}" type="slidenum">
+              <a:rPr lang="zh-CN" altLang="en-US" smtClean="0"/>
+              <a:t>16</a:t>
+            </a:fld>
+            <a:endParaRPr lang="zh-CN" altLang="en-US"/>
+          </a:p>
+        </p:txBody>
+      </p:sp>
+    </p:spTree>
+    <p:extLst>
+      <p:ext uri="{BB962C8B-B14F-4D97-AF65-F5344CB8AC3E}">
+        <p14:creationId xmlns:p14="http://schemas.microsoft.com/office/powerpoint/2010/main" val="1182294834"/>
+      </p:ext>
+    </p:extLst>
+  </p:cSld>
+  <p:clrMapOvr>
+    <a:masterClrMapping/>
+  </p:clrMapOvr>
+</p:notes>
+</file>
+
 <file path=ppt/notesSlides/notesSlide2.xml><?xml version="1.0" encoding="utf-8"?>
 <p:notes xmlns:a="http://schemas.openxmlformats.org/drawingml/2006/main" xmlns:r="http://schemas.openxmlformats.org/officeDocument/2006/relationships" xmlns:p="http://schemas.openxmlformats.org/presentationml/2006/main">
   <p:cSld>
@@ -8139,7 +8487,7 @@
         <p:spPr/>
         <p:txBody>
           <a:bodyPr>
-            <a:normAutofit/>
+            <a:normAutofit lnSpcReduction="10000"/>
           </a:bodyPr>
           <a:lstStyle/>
           <a:p>
@@ -8172,7 +8520,77 @@
             <a:pPr marL="0" indent="0">
               <a:buNone/>
             </a:pPr>
-            <a:endParaRPr kumimoji="1" lang="ja-JP" altLang="en-US" sz="4800" dirty="0"/>
+            <a:endParaRPr kumimoji="1" lang="en-US" altLang="ja-JP" sz="4800" dirty="0"/>
+          </a:p>
+          <a:p>
+            <a:pPr marL="0" indent="0">
+              <a:buNone/>
+            </a:pPr>
+            <a:r>
+              <a:rPr kumimoji="1" lang="zh-CN" altLang="en-US" sz="4800" dirty="0">
+                <a:solidFill>
+                  <a:srgbClr val="FF0000"/>
+                </a:solidFill>
+                <a:latin typeface="arial" panose="020B0604020202020204" pitchFamily="34" charset="0"/>
+              </a:rPr>
+              <a:t>厚脸皮</a:t>
+            </a:r>
+            <a:endParaRPr kumimoji="1" lang="en-US" altLang="zh-CN" sz="4800" dirty="0">
+              <a:solidFill>
+                <a:srgbClr val="FF0000"/>
+              </a:solidFill>
+              <a:latin typeface="arial" panose="020B0604020202020204" pitchFamily="34" charset="0"/>
+            </a:endParaRPr>
+          </a:p>
+          <a:p>
+            <a:pPr marL="0" indent="0">
+              <a:buNone/>
+            </a:pPr>
+            <a:r>
+              <a:rPr lang="ja-JP" altLang="en-US" sz="3600" b="1" i="0" dirty="0">
+                <a:solidFill>
+                  <a:srgbClr val="FF0000"/>
+                </a:solidFill>
+                <a:effectLst/>
+                <a:latin typeface="arial" panose="020B0604020202020204" pitchFamily="34" charset="0"/>
+              </a:rPr>
+              <a:t>図々しい</a:t>
+            </a:r>
+            <a:r>
+              <a:rPr lang="ja-JP" altLang="en-US" sz="3600" b="0" i="0" dirty="0">
+                <a:solidFill>
+                  <a:srgbClr val="FF0000"/>
+                </a:solidFill>
+                <a:effectLst/>
+                <a:latin typeface="arial" panose="020B0604020202020204" pitchFamily="34" charset="0"/>
+              </a:rPr>
+              <a:t> </a:t>
+            </a:r>
+            <a:r>
+              <a:rPr lang="en-US" altLang="ja-JP" sz="3600" b="0" i="0" dirty="0">
+                <a:solidFill>
+                  <a:srgbClr val="FF0000"/>
+                </a:solidFill>
+                <a:effectLst/>
+                <a:latin typeface="arial" panose="020B0604020202020204" pitchFamily="34" charset="0"/>
+              </a:rPr>
+              <a:t>... </a:t>
+            </a:r>
+            <a:r>
+              <a:rPr lang="ja-JP" altLang="en-US" sz="3600" b="0" i="0" dirty="0">
+                <a:solidFill>
+                  <a:srgbClr val="FF0000"/>
+                </a:solidFill>
+                <a:effectLst/>
+                <a:latin typeface="arial" panose="020B0604020202020204" pitchFamily="34" charset="0"/>
+              </a:rPr>
+              <a:t>自分勝手にふるまい、他人に迷惑をかけても気にしないような態度や行動を形容した表現。</a:t>
+            </a:r>
+            <a:endParaRPr kumimoji="1" lang="ja-JP" altLang="en-US" sz="4800" dirty="0">
+              <a:solidFill>
+                <a:srgbClr val="FF0000"/>
+              </a:solidFill>
+            </a:endParaRPr>
           </a:p>
         </p:txBody>
       </p:sp>
@@ -8274,7 +8692,37 @@
             <a:endParaRPr lang="en-US" altLang="ja-JP" sz="4800" dirty="0"/>
           </a:p>
           <a:p>
-            <a:endParaRPr kumimoji="1" lang="ja-JP" altLang="en-US" sz="4800" dirty="0"/>
+            <a:endParaRPr kumimoji="1" lang="en-US" altLang="ja-JP" sz="4800" dirty="0"/>
+          </a:p>
+          <a:p>
+            <a:pPr marL="0" indent="0">
+              <a:buNone/>
+            </a:pPr>
+            <a:r>
+              <a:rPr lang="ja-JP" altLang="en-US" sz="3600" b="1" i="0" dirty="0">
+                <a:solidFill>
+                  <a:srgbClr val="FF0000"/>
+                </a:solidFill>
+                <a:effectLst/>
+                <a:latin typeface="arial" panose="020B0604020202020204" pitchFamily="34" charset="0"/>
+              </a:rPr>
+              <a:t>ポリシー</a:t>
+            </a:r>
+            <a:r>
+              <a:rPr lang="ja-JP" altLang="en-US" sz="3600" b="0" i="0" dirty="0">
+                <a:solidFill>
+                  <a:srgbClr val="FF0000"/>
+                </a:solidFill>
+                <a:effectLst/>
+                <a:latin typeface="arial" panose="020B0604020202020204" pitchFamily="34" charset="0"/>
+              </a:rPr>
+              <a:t>を持って生きてください。 自分が大切にしたい方針であれば、何でもかまいません</a:t>
+            </a:r>
+            <a:endParaRPr kumimoji="1" lang="ja-JP" altLang="en-US" sz="4800" dirty="0">
+              <a:solidFill>
+                <a:srgbClr val="FF0000"/>
+              </a:solidFill>
+            </a:endParaRPr>
           </a:p>
         </p:txBody>
       </p:sp>
@@ -8376,7 +8824,56 @@
             <a:endParaRPr kumimoji="1" lang="ja-JP" altLang="en-US" sz="4800" dirty="0"/>
           </a:p>
           <a:p>
-            <a:endParaRPr kumimoji="1" lang="ja-JP" altLang="en-US" sz="4800" dirty="0"/>
+            <a:endParaRPr kumimoji="1" lang="en-US" altLang="ja-JP" sz="4800" dirty="0"/>
+          </a:p>
+          <a:p>
+            <a:pPr marL="0" indent="0">
+              <a:buNone/>
+            </a:pPr>
+            <a:r>
+              <a:rPr kumimoji="1" lang="ja-JP" altLang="en-US" sz="4800" dirty="0">
+                <a:solidFill>
+                  <a:srgbClr val="FF0000"/>
+                </a:solidFill>
+              </a:rPr>
+              <a:t>諦める</a:t>
+            </a:r>
+            <a:endParaRPr kumimoji="1" lang="en-US" altLang="ja-JP" sz="4800" dirty="0">
+              <a:solidFill>
+                <a:srgbClr val="FF0000"/>
+              </a:solidFill>
+            </a:endParaRPr>
+          </a:p>
+          <a:p>
+            <a:pPr marL="0" indent="0">
+              <a:buNone/>
+            </a:pPr>
+            <a:r>
+              <a:rPr kumimoji="1" lang="ja-JP" altLang="en-US" sz="4800" dirty="0">
+                <a:solidFill>
+                  <a:srgbClr val="FF0000"/>
+                </a:solidFill>
+              </a:rPr>
+              <a:t>諦めたほうが良いのに、諦めない。</a:t>
+            </a:r>
+            <a:endParaRPr kumimoji="1" lang="en-US" altLang="ja-JP" sz="4800" dirty="0">
+              <a:solidFill>
+                <a:srgbClr val="FF0000"/>
+              </a:solidFill>
+            </a:endParaRPr>
+          </a:p>
+          <a:p>
+            <a:pPr marL="0" indent="0">
+              <a:buNone/>
+            </a:pPr>
+            <a:r>
+              <a:rPr kumimoji="1" lang="ja-JP" altLang="en-US" sz="4800" dirty="0">
+                <a:solidFill>
+                  <a:srgbClr val="FF0000"/>
+                </a:solidFill>
+              </a:rPr>
+              <a:t>根性 こんじょう</a:t>
+            </a:r>
           </a:p>
         </p:txBody>
       </p:sp>
@@ -8555,7 +9052,7 @@
           </p:nvPr>
         </p:nvPicPr>
         <p:blipFill>
-          <a:blip r:embed="rId2">
+          <a:blip r:embed="rId3">
             <a:extLst>
               <a:ext uri="{28A0092B-C50C-407E-A947-70E740481C1C}">
                 <a14:useLocalDpi xmlns:a14="http://schemas.microsoft.com/office/drawing/2010/main" val="0"/>
@@ -8649,7 +9146,7 @@
           </p:nvPr>
         </p:nvPicPr>
         <p:blipFill>
-          <a:blip r:embed="rId2">
+          <a:blip r:embed="rId3">
             <a:extLst>
               <a:ext uri="{28A0092B-C50C-407E-A947-70E740481C1C}">
                 <a14:useLocalDpi xmlns:a14="http://schemas.microsoft.com/office/drawing/2010/main" val="0"/>
@@ -8667,6 +9164,94 @@
           </a:xfrm>
         </p:spPr>
       </p:pic>
+      <p:sp>
+        <p:nvSpPr>
+          <p:cNvPr id="3" name="テキスト ボックス 2">
+            <a:extLst>
+              <a:ext uri="{FF2B5EF4-FFF2-40B4-BE49-F238E27FC236}">
+                <a16:creationId xmlns:a16="http://schemas.microsoft.com/office/drawing/2014/main" id="{06504BB8-7B6A-027F-6BF4-AC482FE73980}"/>
+              </a:ext>
+            </a:extLst>
+          </p:cNvPr>
+          <p:cNvSpPr txBox="1"/>
+          <p:nvPr/>
+        </p:nvSpPr>
+        <p:spPr>
+          <a:xfrm>
+            <a:off x="2247900" y="1857375"/>
+            <a:ext cx="2028825" cy="369332"/>
+          </a:xfrm>
+          <a:prstGeom prst="rect">
+            <a:avLst/>
+          </a:prstGeom>
+          <a:noFill/>
+        </p:spPr>
+        <p:txBody>
+          <a:bodyPr wrap="square" rtlCol="0">
+            <a:spAutoFit/>
+          </a:bodyPr>
+          <a:lstStyle/>
+          <a:p>
+            <a:r>
+              <a:rPr kumimoji="1" lang="en-US" altLang="ja-JP" dirty="0">
+                <a:solidFill>
+                  <a:srgbClr val="FF0000"/>
+                </a:solidFill>
+              </a:rPr>
+              <a:t>No.1</a:t>
+            </a:r>
+            <a:endParaRPr kumimoji="1" lang="ja-JP" altLang="en-US" dirty="0">
+              <a:solidFill>
+                <a:srgbClr val="FF0000"/>
+              </a:solidFill>
+            </a:endParaRPr>
+          </a:p>
+        </p:txBody>
+      </p:sp>
+      <p:sp>
+        <p:nvSpPr>
+          <p:cNvPr id="6" name="テキスト ボックス 5">
+            <a:extLst>
+              <a:ext uri="{FF2B5EF4-FFF2-40B4-BE49-F238E27FC236}">
+                <a16:creationId xmlns:a16="http://schemas.microsoft.com/office/drawing/2014/main" id="{2A27FF0F-C59B-21DE-AE19-33855DCE17BF}"/>
+              </a:ext>
+            </a:extLst>
+          </p:cNvPr>
+          <p:cNvSpPr txBox="1"/>
+          <p:nvPr/>
+        </p:nvSpPr>
+        <p:spPr>
+          <a:xfrm>
+            <a:off x="5643562" y="4251074"/>
+            <a:ext cx="2028825" cy="369332"/>
+          </a:xfrm>
+          <a:prstGeom prst="rect">
+            <a:avLst/>
+          </a:prstGeom>
+          <a:noFill/>
+        </p:spPr>
+        <p:txBody>
+          <a:bodyPr wrap="square" rtlCol="0">
+            <a:spAutoFit/>
+          </a:bodyPr>
+          <a:lstStyle/>
+          <a:p>
+            <a:r>
+              <a:rPr kumimoji="1" lang="en-US" altLang="ja-JP" dirty="0">
+                <a:solidFill>
+                  <a:srgbClr val="FF0000"/>
+                </a:solidFill>
+              </a:rPr>
+              <a:t>No.4</a:t>
+            </a:r>
+            <a:endParaRPr kumimoji="1" lang="ja-JP" altLang="en-US" dirty="0">
+              <a:solidFill>
+                <a:srgbClr val="FF0000"/>
+              </a:solidFill>
+            </a:endParaRPr>
+          </a:p>
+        </p:txBody>
+      </p:sp>
     </p:spTree>
     <p:extLst>
       <p:ext uri="{BB962C8B-B14F-4D97-AF65-F5344CB8AC3E}">
@@ -9391,7 +9976,23 @@
             </a:pPr>
             <a:r>
               <a:rPr lang="ja-JP" altLang="en-US" sz="4800" dirty="0"/>
-              <a:t>頑固　⇔　ブレない</a:t>
+              <a:t>頑固</a:t>
+            </a:r>
+            <a:r>
+              <a:rPr lang="en-US" altLang="ja-JP" sz="4800" dirty="0"/>
+              <a:t>(</a:t>
+            </a:r>
+            <a:r>
+              <a:rPr lang="ja-JP" altLang="en-US" sz="4800" dirty="0"/>
+              <a:t>がんこ</a:t>
+            </a:r>
+            <a:r>
+              <a:rPr lang="en-US" altLang="ja-JP" sz="4800" dirty="0"/>
+              <a:t>)</a:t>
+            </a:r>
+            <a:r>
+              <a:rPr lang="ja-JP" altLang="en-US" sz="4800" dirty="0"/>
+              <a:t>　⇔　ブレない</a:t>
             </a:r>
             <a:endParaRPr lang="en-US" altLang="ja-JP" sz="4800" dirty="0"/>
           </a:p>
@@ -9499,9 +10100,52 @@
             </a:pPr>
             <a:r>
               <a:rPr lang="ja-JP" altLang="en-US" sz="4800" dirty="0"/>
-              <a:t>優柔不断　⇔　慎重</a:t>
+              <a:t>優柔不断</a:t>
+            </a:r>
+            <a:r>
+              <a:rPr lang="en-US" altLang="ja-JP" sz="4800" dirty="0"/>
+              <a:t>(</a:t>
+            </a:r>
+            <a:r>
+              <a:rPr lang="ja-JP" altLang="en-US" sz="4800" dirty="0"/>
+              <a:t>ゆうじゅうふだん</a:t>
+            </a:r>
+            <a:r>
+              <a:rPr lang="en-US" altLang="ja-JP" sz="4800" dirty="0"/>
+              <a:t>)</a:t>
+            </a:r>
+            <a:r>
+              <a:rPr lang="ja-JP" altLang="en-US" sz="4800" dirty="0"/>
+              <a:t>　⇔　</a:t>
             </a:r>
             <a:endParaRPr lang="en-US" altLang="ja-JP" sz="4800" dirty="0"/>
+          </a:p>
+          <a:p>
+            <a:pPr marL="0" indent="0">
+              <a:buNone/>
+            </a:pPr>
+            <a:endParaRPr lang="en-US" altLang="ja-JP" sz="4800" dirty="0"/>
+          </a:p>
+          <a:p>
+            <a:pPr marL="0" indent="0">
+              <a:buNone/>
+            </a:pPr>
+            <a:r>
+              <a:rPr lang="ja-JP" altLang="en-US" sz="4800" dirty="0"/>
+              <a:t>慎重</a:t>
+            </a:r>
+            <a:r>
+              <a:rPr lang="en-US" altLang="ja-JP" sz="4800" dirty="0"/>
+              <a:t>(</a:t>
+            </a:r>
+            <a:r>
+              <a:rPr lang="ja-JP" altLang="en-US" sz="4800" dirty="0"/>
+              <a:t>しんちょう</a:t>
+            </a:r>
+            <a:r>
+              <a:rPr lang="en-US" altLang="ja-JP" sz="4800" dirty="0"/>
+              <a:t>)</a:t>
+            </a:r>
           </a:p>
           <a:p>
             <a:pPr marL="0" indent="0">
@@ -9604,7 +10248,23 @@
             </a:pPr>
             <a:r>
               <a:rPr lang="ja-JP" altLang="en-US" sz="4800" dirty="0"/>
-              <a:t>おせっかい　⇔　思いやりがある</a:t>
+              <a:t>お節介</a:t>
+            </a:r>
+            <a:r>
+              <a:rPr lang="en-US" altLang="ja-JP" sz="4800" dirty="0"/>
+              <a:t>(</a:t>
+            </a:r>
+            <a:r>
+              <a:rPr lang="ja-JP" altLang="en-US" sz="4800" dirty="0"/>
+              <a:t>おせっかい</a:t>
+            </a:r>
+            <a:r>
+              <a:rPr lang="en-US" altLang="ja-JP" sz="4800" dirty="0"/>
+              <a:t>)</a:t>
+            </a:r>
+            <a:r>
+              <a:rPr lang="ja-JP" altLang="en-US" sz="4800" dirty="0"/>
+              <a:t>　⇔　思いやりがある</a:t>
             </a:r>
             <a:endParaRPr lang="en-US" altLang="ja-JP" sz="4800" dirty="0"/>
           </a:p>
@@ -9728,7 +10388,27 @@
             <a:endParaRPr lang="en-US" altLang="ja-JP" sz="4800" dirty="0"/>
           </a:p>
           <a:p>
-            <a:endParaRPr kumimoji="1" lang="ja-JP" altLang="en-US" sz="4800" dirty="0"/>
+            <a:pPr marL="0" indent="0">
+              <a:buNone/>
+            </a:pPr>
+            <a:endParaRPr lang="en-US" altLang="ja-JP" sz="4800" dirty="0"/>
+          </a:p>
+          <a:p>
+            <a:r>
+              <a:rPr lang="ja-JP" altLang="en-US" sz="3600" b="0" i="0" dirty="0">
+                <a:solidFill>
+                  <a:srgbClr val="FF0000"/>
+                </a:solidFill>
+                <a:effectLst/>
+                <a:latin typeface="arial" panose="020B0604020202020204" pitchFamily="34" charset="0"/>
+              </a:rPr>
+              <a:t>「不必要に手出し、口出しをする」「余計なことをする」</a:t>
+            </a:r>
+            <a:endParaRPr kumimoji="1" lang="ja-JP" altLang="en-US" sz="4800" dirty="0">
+              <a:solidFill>
+                <a:srgbClr val="FF0000"/>
+              </a:solidFill>
+            </a:endParaRPr>
           </a:p>
         </p:txBody>
       </p:sp>
@@ -9825,12 +10505,48 @@
             </a:pPr>
             <a:r>
               <a:rPr lang="ja-JP" altLang="en-US" sz="4800" dirty="0"/>
-              <a:t>無口　⇔　聞き上手</a:t>
+              <a:t>無口</a:t>
+            </a:r>
+            <a:r>
+              <a:rPr lang="en-US" altLang="ja-JP" sz="4800" dirty="0"/>
+              <a:t>(</a:t>
+            </a:r>
+            <a:r>
+              <a:rPr lang="ja-JP" altLang="en-US" sz="4800" dirty="0"/>
+              <a:t>むぐち</a:t>
+            </a:r>
+            <a:r>
+              <a:rPr lang="en-US" altLang="ja-JP" sz="4800" dirty="0"/>
+              <a:t>)</a:t>
+            </a:r>
+            <a:r>
+              <a:rPr lang="ja-JP" altLang="en-US" sz="4800" dirty="0"/>
+              <a:t>　⇔　聞き上手</a:t>
             </a:r>
             <a:endParaRPr lang="en-US" altLang="ja-JP" sz="4800" dirty="0"/>
           </a:p>
           <a:p>
-            <a:endParaRPr kumimoji="1" lang="ja-JP" altLang="en-US" sz="4800" dirty="0"/>
+            <a:endParaRPr kumimoji="1" lang="en-US" altLang="ja-JP" sz="4800" dirty="0"/>
+          </a:p>
+          <a:p>
+            <a:pPr marL="0" indent="0">
+              <a:buNone/>
+            </a:pPr>
+            <a:r>
+              <a:rPr lang="ja-JP" altLang="en-US" sz="3600" b="0" i="0" dirty="0">
+                <a:solidFill>
+                  <a:srgbClr val="FF0000"/>
+                </a:solidFill>
+                <a:effectLst/>
+                <a:latin typeface="arial" panose="020B0604020202020204" pitchFamily="34" charset="0"/>
+              </a:rPr>
+              <a:t>ふだんあまりしゃべらない性格であること。</a:t>
+            </a:r>
+            <a:endParaRPr kumimoji="1" lang="ja-JP" altLang="en-US" sz="4800" dirty="0">
+              <a:solidFill>
+                <a:srgbClr val="FF0000"/>
+              </a:solidFill>
+            </a:endParaRPr>
           </a:p>
         </p:txBody>
       </p:sp>
